--- a/ProfModule2017/Professional Module design.pptx
+++ b/ProfModule2017/Professional Module design.pptx
@@ -6,14 +6,15 @@
   </p:sldMasterIdLst>
   <p:sldIdLst>
     <p:sldId id="256" r:id="rId2"/>
-    <p:sldId id="261" r:id="rId3"/>
-    <p:sldId id="264" r:id="rId4"/>
-    <p:sldId id="257" r:id="rId5"/>
-    <p:sldId id="258" r:id="rId6"/>
-    <p:sldId id="259" r:id="rId7"/>
-    <p:sldId id="260" r:id="rId8"/>
-    <p:sldId id="263" r:id="rId9"/>
-    <p:sldId id="262" r:id="rId10"/>
+    <p:sldId id="265" r:id="rId3"/>
+    <p:sldId id="261" r:id="rId4"/>
+    <p:sldId id="264" r:id="rId5"/>
+    <p:sldId id="257" r:id="rId6"/>
+    <p:sldId id="258" r:id="rId7"/>
+    <p:sldId id="259" r:id="rId8"/>
+    <p:sldId id="260" r:id="rId9"/>
+    <p:sldId id="263" r:id="rId10"/>
+    <p:sldId id="262" r:id="rId11"/>
   </p:sldIdLst>
   <p:sldSz cx="12192000" cy="6858000"/>
   <p:notesSz cx="6858000" cy="9144000"/>
@@ -112,6 +113,11 @@
       </a:defRPr>
     </a:lvl9pPr>
   </p:defaultTextStyle>
+  <p:extLst>
+    <p:ext uri="{EFAFB233-063F-42B5-8137-9DF3F51BA10A}">
+      <p15:sldGuideLst xmlns:p15="http://schemas.microsoft.com/office/powerpoint/2012/main"/>
+    </p:ext>
+  </p:extLst>
 </p:presentation>
 </file>
 
@@ -160,7 +166,6 @@
               <a:rPr lang="en-US"/>
               <a:t>Click to edit Master title style</a:t>
             </a:r>
-            <a:endParaRPr lang="en-US"/>
           </a:p>
         </p:txBody>
       </p:sp>
@@ -225,7 +230,6 @@
               <a:rPr lang="en-US"/>
               <a:t>Click to edit Master subtitle style</a:t>
             </a:r>
-            <a:endParaRPr lang="en-US"/>
           </a:p>
         </p:txBody>
       </p:sp>
@@ -246,7 +250,7 @@
           <a:p>
             <a:fld id="{EFE685D7-F99F-4433-85D9-B47B1B2EA58F}" type="datetimeFigureOut">
               <a:rPr lang="en-US" smtClean="0"/>
-              <a:t>3/10/2017</a:t>
+              <a:t>4/3/2017</a:t>
             </a:fld>
             <a:endParaRPr lang="en-US"/>
           </a:p>
@@ -343,7 +347,6 @@
               <a:rPr lang="en-US"/>
               <a:t>Click to edit Master title style</a:t>
             </a:r>
-            <a:endParaRPr lang="en-US"/>
           </a:p>
         </p:txBody>
       </p:sp>
@@ -395,7 +398,6 @@
               <a:rPr lang="en-US"/>
               <a:t>Fifth level</a:t>
             </a:r>
-            <a:endParaRPr lang="en-US"/>
           </a:p>
         </p:txBody>
       </p:sp>
@@ -416,7 +418,7 @@
           <a:p>
             <a:fld id="{EFE685D7-F99F-4433-85D9-B47B1B2EA58F}" type="datetimeFigureOut">
               <a:rPr lang="en-US" smtClean="0"/>
-              <a:t>3/10/2017</a:t>
+              <a:t>4/3/2017</a:t>
             </a:fld>
             <a:endParaRPr lang="en-US"/>
           </a:p>
@@ -518,7 +520,6 @@
               <a:rPr lang="en-US"/>
               <a:t>Click to edit Master title style</a:t>
             </a:r>
-            <a:endParaRPr lang="en-US"/>
           </a:p>
         </p:txBody>
       </p:sp>
@@ -575,7 +576,6 @@
               <a:rPr lang="en-US"/>
               <a:t>Fifth level</a:t>
             </a:r>
-            <a:endParaRPr lang="en-US"/>
           </a:p>
         </p:txBody>
       </p:sp>
@@ -596,7 +596,7 @@
           <a:p>
             <a:fld id="{EFE685D7-F99F-4433-85D9-B47B1B2EA58F}" type="datetimeFigureOut">
               <a:rPr lang="en-US" smtClean="0"/>
-              <a:t>3/10/2017</a:t>
+              <a:t>4/3/2017</a:t>
             </a:fld>
             <a:endParaRPr lang="en-US"/>
           </a:p>
@@ -693,7 +693,6 @@
               <a:rPr lang="en-US"/>
               <a:t>Click to edit Master title style</a:t>
             </a:r>
-            <a:endParaRPr lang="en-US"/>
           </a:p>
         </p:txBody>
       </p:sp>
@@ -745,7 +744,6 @@
               <a:rPr lang="en-US"/>
               <a:t>Fifth level</a:t>
             </a:r>
-            <a:endParaRPr lang="en-US"/>
           </a:p>
         </p:txBody>
       </p:sp>
@@ -766,7 +764,7 @@
           <a:p>
             <a:fld id="{EFE685D7-F99F-4433-85D9-B47B1B2EA58F}" type="datetimeFigureOut">
               <a:rPr lang="en-US" smtClean="0"/>
-              <a:t>3/10/2017</a:t>
+              <a:t>4/3/2017</a:t>
             </a:fld>
             <a:endParaRPr lang="en-US"/>
           </a:p>
@@ -872,7 +870,6 @@
               <a:rPr lang="en-US"/>
               <a:t>Click to edit Master title style</a:t>
             </a:r>
-            <a:endParaRPr lang="en-US"/>
           </a:p>
         </p:txBody>
       </p:sp>
@@ -1012,7 +1009,7 @@
           <a:p>
             <a:fld id="{EFE685D7-F99F-4433-85D9-B47B1B2EA58F}" type="datetimeFigureOut">
               <a:rPr lang="en-US" smtClean="0"/>
-              <a:t>3/10/2017</a:t>
+              <a:t>4/3/2017</a:t>
             </a:fld>
             <a:endParaRPr lang="en-US"/>
           </a:p>
@@ -1109,7 +1106,6 @@
               <a:rPr lang="en-US"/>
               <a:t>Click to edit Master title style</a:t>
             </a:r>
-            <a:endParaRPr lang="en-US"/>
           </a:p>
         </p:txBody>
       </p:sp>
@@ -1166,7 +1162,6 @@
               <a:rPr lang="en-US"/>
               <a:t>Fifth level</a:t>
             </a:r>
-            <a:endParaRPr lang="en-US"/>
           </a:p>
         </p:txBody>
       </p:sp>
@@ -1223,7 +1218,6 @@
               <a:rPr lang="en-US"/>
               <a:t>Fifth level</a:t>
             </a:r>
-            <a:endParaRPr lang="en-US"/>
           </a:p>
         </p:txBody>
       </p:sp>
@@ -1244,7 +1238,7 @@
           <a:p>
             <a:fld id="{EFE685D7-F99F-4433-85D9-B47B1B2EA58F}" type="datetimeFigureOut">
               <a:rPr lang="en-US" smtClean="0"/>
-              <a:t>3/10/2017</a:t>
+              <a:t>4/3/2017</a:t>
             </a:fld>
             <a:endParaRPr lang="en-US"/>
           </a:p>
@@ -1346,7 +1340,6 @@
               <a:rPr lang="en-US"/>
               <a:t>Click to edit Master title style</a:t>
             </a:r>
-            <a:endParaRPr lang="en-US"/>
           </a:p>
         </p:txBody>
       </p:sp>
@@ -1468,7 +1461,6 @@
               <a:rPr lang="en-US"/>
               <a:t>Fifth level</a:t>
             </a:r>
-            <a:endParaRPr lang="en-US"/>
           </a:p>
         </p:txBody>
       </p:sp>
@@ -1590,7 +1582,6 @@
               <a:rPr lang="en-US"/>
               <a:t>Fifth level</a:t>
             </a:r>
-            <a:endParaRPr lang="en-US"/>
           </a:p>
         </p:txBody>
       </p:sp>
@@ -1611,7 +1602,7 @@
           <a:p>
             <a:fld id="{EFE685D7-F99F-4433-85D9-B47B1B2EA58F}" type="datetimeFigureOut">
               <a:rPr lang="en-US" smtClean="0"/>
-              <a:t>3/10/2017</a:t>
+              <a:t>4/3/2017</a:t>
             </a:fld>
             <a:endParaRPr lang="en-US"/>
           </a:p>
@@ -1708,7 +1699,6 @@
               <a:rPr lang="en-US"/>
               <a:t>Click to edit Master title style</a:t>
             </a:r>
-            <a:endParaRPr lang="en-US"/>
           </a:p>
         </p:txBody>
       </p:sp>
@@ -1729,7 +1719,7 @@
           <a:p>
             <a:fld id="{EFE685D7-F99F-4433-85D9-B47B1B2EA58F}" type="datetimeFigureOut">
               <a:rPr lang="en-US" smtClean="0"/>
-              <a:t>3/10/2017</a:t>
+              <a:t>4/3/2017</a:t>
             </a:fld>
             <a:endParaRPr lang="en-US"/>
           </a:p>
@@ -1824,7 +1814,7 @@
           <a:p>
             <a:fld id="{EFE685D7-F99F-4433-85D9-B47B1B2EA58F}" type="datetimeFigureOut">
               <a:rPr lang="en-US" smtClean="0"/>
-              <a:t>3/10/2017</a:t>
+              <a:t>4/3/2017</a:t>
             </a:fld>
             <a:endParaRPr lang="en-US"/>
           </a:p>
@@ -1930,7 +1920,6 @@
               <a:rPr lang="en-US"/>
               <a:t>Click to edit Master title style</a:t>
             </a:r>
-            <a:endParaRPr lang="en-US"/>
           </a:p>
         </p:txBody>
       </p:sp>
@@ -2015,7 +2004,6 @@
               <a:rPr lang="en-US"/>
               <a:t>Fifth level</a:t>
             </a:r>
-            <a:endParaRPr lang="en-US"/>
           </a:p>
         </p:txBody>
       </p:sp>
@@ -2101,7 +2089,7 @@
           <a:p>
             <a:fld id="{EFE685D7-F99F-4433-85D9-B47B1B2EA58F}" type="datetimeFigureOut">
               <a:rPr lang="en-US" smtClean="0"/>
-              <a:t>3/10/2017</a:t>
+              <a:t>4/3/2017</a:t>
             </a:fld>
             <a:endParaRPr lang="en-US"/>
           </a:p>
@@ -2207,7 +2195,6 @@
               <a:rPr lang="en-US"/>
               <a:t>Click to edit Master title style</a:t>
             </a:r>
-            <a:endParaRPr lang="en-US"/>
           </a:p>
         </p:txBody>
       </p:sp>
@@ -2354,7 +2341,7 @@
           <a:p>
             <a:fld id="{EFE685D7-F99F-4433-85D9-B47B1B2EA58F}" type="datetimeFigureOut">
               <a:rPr lang="en-US" smtClean="0"/>
-              <a:t>3/10/2017</a:t>
+              <a:t>4/3/2017</a:t>
             </a:fld>
             <a:endParaRPr lang="en-US"/>
           </a:p>
@@ -2466,7 +2453,6 @@
               <a:rPr lang="en-US"/>
               <a:t>Click to edit Master title style</a:t>
             </a:r>
-            <a:endParaRPr lang="en-US"/>
           </a:p>
         </p:txBody>
       </p:sp>
@@ -2528,7 +2514,6 @@
               <a:rPr lang="en-US"/>
               <a:t>Fifth level</a:t>
             </a:r>
-            <a:endParaRPr lang="en-US"/>
           </a:p>
         </p:txBody>
       </p:sp>
@@ -2567,7 +2552,7 @@
           <a:p>
             <a:fld id="{EFE685D7-F99F-4433-85D9-B47B1B2EA58F}" type="datetimeFigureOut">
               <a:rPr lang="en-US" smtClean="0"/>
-              <a:t>3/10/2017</a:t>
+              <a:t>4/3/2017</a:t>
             </a:fld>
             <a:endParaRPr lang="en-US"/>
           </a:p>
@@ -3020,6 +3005,87 @@
 </p:sld>
 </file>
 
+<file path=ppt/slides/slide10.xml><?xml version="1.0" encoding="utf-8"?>
+<p:sld xmlns:a="http://schemas.openxmlformats.org/drawingml/2006/main" xmlns:r="http://schemas.openxmlformats.org/officeDocument/2006/relationships" xmlns:p="http://schemas.openxmlformats.org/presentationml/2006/main">
+  <p:cSld>
+    <p:spTree>
+      <p:nvGrpSpPr>
+        <p:cNvPr id="1" name=""/>
+        <p:cNvGrpSpPr/>
+        <p:nvPr/>
+      </p:nvGrpSpPr>
+      <p:grpSpPr>
+        <a:xfrm>
+          <a:off x="0" y="0"/>
+          <a:ext cx="0" cy="0"/>
+          <a:chOff x="0" y="0"/>
+          <a:chExt cx="0" cy="0"/>
+        </a:xfrm>
+      </p:grpSpPr>
+      <p:sp>
+        <p:nvSpPr>
+          <p:cNvPr id="2" name="Title 1"/>
+          <p:cNvSpPr>
+            <a:spLocks noGrp="1"/>
+          </p:cNvSpPr>
+          <p:nvPr>
+            <p:ph type="title"/>
+          </p:nvPr>
+        </p:nvSpPr>
+        <p:spPr/>
+        <p:txBody>
+          <a:bodyPr/>
+          <a:lstStyle/>
+          <a:p>
+            <a:r>
+              <a:rPr lang="sv-SE" dirty="0"/>
+              <a:t>Parameters/</a:t>
+            </a:r>
+            <a:r>
+              <a:rPr lang="sv-SE" dirty="0" err="1"/>
+              <a:t>Types</a:t>
+            </a:r>
+            <a:r>
+              <a:rPr lang="sv-SE" dirty="0"/>
+              <a:t> </a:t>
+            </a:r>
+            <a:r>
+              <a:rPr lang="sv-SE" dirty="0" err="1"/>
+              <a:t>that</a:t>
+            </a:r>
+            <a:r>
+              <a:rPr lang="sv-SE" dirty="0"/>
+              <a:t> </a:t>
+            </a:r>
+            <a:r>
+              <a:rPr lang="sv-SE" dirty="0" err="1"/>
+              <a:t>work</a:t>
+            </a:r>
+            <a:r>
+              <a:rPr lang="sv-SE" dirty="0"/>
+              <a:t> </a:t>
+            </a:r>
+            <a:r>
+              <a:rPr lang="sv-SE" dirty="0" err="1"/>
+              <a:t>together</a:t>
+            </a:r>
+            <a:endParaRPr lang="en-US" dirty="0"/>
+          </a:p>
+        </p:txBody>
+      </p:sp>
+    </p:spTree>
+    <p:extLst>
+      <p:ext uri="{BB962C8B-B14F-4D97-AF65-F5344CB8AC3E}">
+        <p14:creationId xmlns:p14="http://schemas.microsoft.com/office/powerpoint/2010/main" val="984069024"/>
+      </p:ext>
+    </p:extLst>
+  </p:cSld>
+  <p:clrMapOvr>
+    <a:masterClrMapping/>
+  </p:clrMapOvr>
+</p:sld>
+</file>
+
 <file path=ppt/slides/slide2.xml><?xml version="1.0" encoding="utf-8"?>
 <p:sld xmlns:a="http://schemas.openxmlformats.org/drawingml/2006/main" xmlns:r="http://schemas.openxmlformats.org/officeDocument/2006/relationships" xmlns:p="http://schemas.openxmlformats.org/presentationml/2006/main">
   <p:cSld>
@@ -3039,7 +3105,7 @@
       </p:grpSpPr>
       <p:sp>
         <p:nvSpPr>
-          <p:cNvPr id="2" name="Title 1"/>
+          <p:cNvPr id="2" name="Rubrik 1"/>
           <p:cNvSpPr>
             <a:spLocks noGrp="1"/>
           </p:cNvSpPr>
@@ -3053,21 +3119,17 @@
           <a:lstStyle/>
           <a:p>
             <a:r>
-              <a:rPr lang="sv-SE" dirty="0" err="1"/>
-              <a:t>Typed</a:t>
-            </a:r>
-            <a:r>
-              <a:rPr lang="sv-SE" dirty="0"/>
-              <a:t> output</a:t>
-            </a:r>
-            <a:endParaRPr lang="en-US" dirty="0"/>
+              <a:rPr lang="en-US" dirty="0"/>
+              <a:t>Tests</a:t>
+            </a:r>
+            <a:endParaRPr lang="sv-SE" dirty="0"/>
           </a:p>
         </p:txBody>
       </p:sp>
     </p:spTree>
     <p:extLst>
       <p:ext uri="{BB962C8B-B14F-4D97-AF65-F5344CB8AC3E}">
-        <p14:creationId xmlns:p14="http://schemas.microsoft.com/office/powerpoint/2010/main" val="3157329614"/>
+        <p14:creationId xmlns:p14="http://schemas.microsoft.com/office/powerpoint/2010/main" val="1665997081"/>
       </p:ext>
     </p:extLst>
   </p:cSld>
@@ -3111,7 +3173,11 @@
           <a:p>
             <a:r>
               <a:rPr lang="sv-SE" dirty="0" err="1"/>
-              <a:t>ShouldProcess</a:t>
+              <a:t>Typed</a:t>
+            </a:r>
+            <a:r>
+              <a:rPr lang="sv-SE" dirty="0"/>
+              <a:t> output</a:t>
             </a:r>
             <a:endParaRPr lang="en-US" dirty="0"/>
           </a:p>
@@ -3120,7 +3186,7 @@
     </p:spTree>
     <p:extLst>
       <p:ext uri="{BB962C8B-B14F-4D97-AF65-F5344CB8AC3E}">
-        <p14:creationId xmlns:p14="http://schemas.microsoft.com/office/powerpoint/2010/main" val="1261155170"/>
+        <p14:creationId xmlns:p14="http://schemas.microsoft.com/office/powerpoint/2010/main" val="3157329614"/>
       </p:ext>
     </p:extLst>
   </p:cSld>
@@ -3164,90 +3230,7 @@
           <a:p>
             <a:r>
               <a:rPr lang="sv-SE" dirty="0" err="1"/>
-              <a:t>Include</a:t>
-            </a:r>
-            <a:r>
-              <a:rPr lang="sv-SE" dirty="0"/>
-              <a:t>/</a:t>
-            </a:r>
-            <a:r>
-              <a:rPr lang="sv-SE" dirty="0" err="1"/>
-              <a:t>Exclude</a:t>
-            </a:r>
-            <a:r>
-              <a:rPr lang="sv-SE" dirty="0"/>
-              <a:t> </a:t>
-            </a:r>
-            <a:r>
-              <a:rPr lang="sv-SE" dirty="0" err="1"/>
-              <a:t>filtering</a:t>
-            </a:r>
-            <a:endParaRPr lang="en-US" dirty="0"/>
-          </a:p>
-        </p:txBody>
-      </p:sp>
-      <p:sp>
-        <p:nvSpPr>
-          <p:cNvPr id="3" name="Content Placeholder 2"/>
-          <p:cNvSpPr>
-            <a:spLocks noGrp="1"/>
-          </p:cNvSpPr>
-          <p:nvPr>
-            <p:ph idx="1"/>
-          </p:nvPr>
-        </p:nvSpPr>
-        <p:spPr/>
-        <p:txBody>
-          <a:bodyPr/>
-          <a:lstStyle/>
-          <a:p>
-            <a:r>
-              <a:rPr lang="sv-SE" dirty="0" err="1"/>
-              <a:t>hashtable</a:t>
-            </a:r>
-            <a:r>
-              <a:rPr lang="sv-SE" dirty="0"/>
-              <a:t> </a:t>
-            </a:r>
-            <a:r>
-              <a:rPr lang="sv-SE" dirty="0" err="1"/>
-              <a:t>filtering</a:t>
-            </a:r>
-            <a:r>
-              <a:rPr lang="sv-SE" dirty="0"/>
-              <a:t> </a:t>
-            </a:r>
-            <a:r>
-              <a:rPr lang="sv-SE" dirty="0" err="1"/>
-              <a:t>may</a:t>
-            </a:r>
-            <a:r>
-              <a:rPr lang="sv-SE" dirty="0"/>
-              <a:t> be an alternative for </a:t>
-            </a:r>
-            <a:r>
-              <a:rPr lang="sv-SE" dirty="0" err="1"/>
-              <a:t>richer</a:t>
-            </a:r>
-            <a:r>
-              <a:rPr lang="sv-SE" dirty="0"/>
-              <a:t> </a:t>
-            </a:r>
-            <a:r>
-              <a:rPr lang="sv-SE" dirty="0" err="1"/>
-              <a:t>filtering</a:t>
-            </a:r>
-            <a:r>
-              <a:rPr lang="sv-SE" dirty="0"/>
-              <a:t> </a:t>
-            </a:r>
-            <a:r>
-              <a:rPr lang="sv-SE" dirty="0" err="1"/>
-              <a:t>needs</a:t>
-            </a:r>
-            <a:r>
-              <a:rPr lang="sv-SE" dirty="0"/>
-              <a:t> </a:t>
+              <a:t>ShouldProcess</a:t>
             </a:r>
             <a:endParaRPr lang="en-US" dirty="0"/>
           </a:p>
@@ -3256,7 +3239,7 @@
     </p:spTree>
     <p:extLst>
       <p:ext uri="{BB962C8B-B14F-4D97-AF65-F5344CB8AC3E}">
-        <p14:creationId xmlns:p14="http://schemas.microsoft.com/office/powerpoint/2010/main" val="1062529322"/>
+        <p14:creationId xmlns:p14="http://schemas.microsoft.com/office/powerpoint/2010/main" val="1261155170"/>
       </p:ext>
     </p:extLst>
   </p:cSld>
@@ -3300,7 +3283,15 @@
           <a:p>
             <a:r>
               <a:rPr lang="sv-SE" dirty="0" err="1"/>
-              <a:t>Path</a:t>
+              <a:t>Include</a:t>
+            </a:r>
+            <a:r>
+              <a:rPr lang="sv-SE" dirty="0"/>
+              <a:t>/</a:t>
+            </a:r>
+            <a:r>
+              <a:rPr lang="sv-SE" dirty="0" err="1"/>
+              <a:t>Exclude</a:t>
             </a:r>
             <a:r>
               <a:rPr lang="sv-SE" dirty="0"/>
@@ -3308,7 +3299,74 @@
             </a:r>
             <a:r>
               <a:rPr lang="sv-SE" dirty="0" err="1"/>
-              <a:t>processing</a:t>
+              <a:t>filtering</a:t>
+            </a:r>
+            <a:endParaRPr lang="en-US" dirty="0"/>
+          </a:p>
+        </p:txBody>
+      </p:sp>
+      <p:sp>
+        <p:nvSpPr>
+          <p:cNvPr id="3" name="Content Placeholder 2"/>
+          <p:cNvSpPr>
+            <a:spLocks noGrp="1"/>
+          </p:cNvSpPr>
+          <p:nvPr>
+            <p:ph idx="1"/>
+          </p:nvPr>
+        </p:nvSpPr>
+        <p:spPr/>
+        <p:txBody>
+          <a:bodyPr/>
+          <a:lstStyle/>
+          <a:p>
+            <a:r>
+              <a:rPr lang="sv-SE" dirty="0" err="1"/>
+              <a:t>hashtable</a:t>
+            </a:r>
+            <a:r>
+              <a:rPr lang="sv-SE" dirty="0"/>
+              <a:t> </a:t>
+            </a:r>
+            <a:r>
+              <a:rPr lang="sv-SE" dirty="0" err="1"/>
+              <a:t>filtering</a:t>
+            </a:r>
+            <a:r>
+              <a:rPr lang="sv-SE" dirty="0"/>
+              <a:t> </a:t>
+            </a:r>
+            <a:r>
+              <a:rPr lang="sv-SE" dirty="0" err="1"/>
+              <a:t>may</a:t>
+            </a:r>
+            <a:r>
+              <a:rPr lang="sv-SE" dirty="0"/>
+              <a:t> be an alternative for </a:t>
+            </a:r>
+            <a:r>
+              <a:rPr lang="sv-SE" dirty="0" err="1"/>
+              <a:t>richer</a:t>
+            </a:r>
+            <a:r>
+              <a:rPr lang="sv-SE" dirty="0"/>
+              <a:t> </a:t>
+            </a:r>
+            <a:r>
+              <a:rPr lang="sv-SE" dirty="0" err="1"/>
+              <a:t>filtering</a:t>
+            </a:r>
+            <a:r>
+              <a:rPr lang="sv-SE" dirty="0"/>
+              <a:t> </a:t>
+            </a:r>
+            <a:r>
+              <a:rPr lang="sv-SE" dirty="0" err="1"/>
+              <a:t>needs</a:t>
+            </a:r>
+            <a:r>
+              <a:rPr lang="sv-SE" dirty="0"/>
+              <a:t> </a:t>
             </a:r>
             <a:endParaRPr lang="en-US" dirty="0"/>
           </a:p>
@@ -3317,7 +3375,7 @@
     </p:spTree>
     <p:extLst>
       <p:ext uri="{BB962C8B-B14F-4D97-AF65-F5344CB8AC3E}">
-        <p14:creationId xmlns:p14="http://schemas.microsoft.com/office/powerpoint/2010/main" val="1724866446"/>
+        <p14:creationId xmlns:p14="http://schemas.microsoft.com/office/powerpoint/2010/main" val="1062529322"/>
       </p:ext>
     </p:extLst>
   </p:cSld>
@@ -3360,8 +3418,16 @@
           <a:lstStyle/>
           <a:p>
             <a:r>
+              <a:rPr lang="sv-SE" dirty="0" err="1"/>
+              <a:t>Path</a:t>
+            </a:r>
+            <a:r>
               <a:rPr lang="sv-SE" dirty="0"/>
-              <a:t>Progress</a:t>
+              <a:t> </a:t>
+            </a:r>
+            <a:r>
+              <a:rPr lang="sv-SE" dirty="0" err="1"/>
+              <a:t>processing</a:t>
             </a:r>
             <a:endParaRPr lang="en-US" dirty="0"/>
           </a:p>
@@ -3370,7 +3436,7 @@
     </p:spTree>
     <p:extLst>
       <p:ext uri="{BB962C8B-B14F-4D97-AF65-F5344CB8AC3E}">
-        <p14:creationId xmlns:p14="http://schemas.microsoft.com/office/powerpoint/2010/main" val="1073860182"/>
+        <p14:creationId xmlns:p14="http://schemas.microsoft.com/office/powerpoint/2010/main" val="1724866446"/>
       </p:ext>
     </p:extLst>
   </p:cSld>
@@ -3413,16 +3479,8 @@
           <a:lstStyle/>
           <a:p>
             <a:r>
-              <a:rPr lang="sv-SE" dirty="0" err="1"/>
-              <a:t>Error</a:t>
-            </a:r>
-            <a:r>
               <a:rPr lang="sv-SE" dirty="0"/>
-              <a:t> </a:t>
-            </a:r>
-            <a:r>
-              <a:rPr lang="sv-SE" dirty="0" err="1"/>
-              <a:t>Reporting</a:t>
+              <a:t>Progress</a:t>
             </a:r>
             <a:endParaRPr lang="en-US" dirty="0"/>
           </a:p>
@@ -3431,7 +3489,7 @@
     </p:spTree>
     <p:extLst>
       <p:ext uri="{BB962C8B-B14F-4D97-AF65-F5344CB8AC3E}">
-        <p14:creationId xmlns:p14="http://schemas.microsoft.com/office/powerpoint/2010/main" val="3263379373"/>
+        <p14:creationId xmlns:p14="http://schemas.microsoft.com/office/powerpoint/2010/main" val="1073860182"/>
       </p:ext>
     </p:extLst>
   </p:cSld>
@@ -3475,7 +3533,15 @@
           <a:p>
             <a:r>
               <a:rPr lang="sv-SE" dirty="0" err="1"/>
-              <a:t>Completion</a:t>
+              <a:t>Error</a:t>
+            </a:r>
+            <a:r>
+              <a:rPr lang="sv-SE" dirty="0"/>
+              <a:t> </a:t>
+            </a:r>
+            <a:r>
+              <a:rPr lang="sv-SE" dirty="0" err="1"/>
+              <a:t>Reporting</a:t>
             </a:r>
             <a:endParaRPr lang="en-US" dirty="0"/>
           </a:p>
@@ -3484,7 +3550,7 @@
     </p:spTree>
     <p:extLst>
       <p:ext uri="{BB962C8B-B14F-4D97-AF65-F5344CB8AC3E}">
-        <p14:creationId xmlns:p14="http://schemas.microsoft.com/office/powerpoint/2010/main" val="4108125210"/>
+        <p14:creationId xmlns:p14="http://schemas.microsoft.com/office/powerpoint/2010/main" val="3263379373"/>
       </p:ext>
     </p:extLst>
   </p:cSld>
@@ -3527,36 +3593,8 @@
           <a:lstStyle/>
           <a:p>
             <a:r>
-              <a:rPr lang="sv-SE" dirty="0"/>
-              <a:t>Parameters/</a:t>
-            </a:r>
-            <a:r>
               <a:rPr lang="sv-SE" dirty="0" err="1"/>
-              <a:t>Types</a:t>
-            </a:r>
-            <a:r>
-              <a:rPr lang="sv-SE" dirty="0"/>
-              <a:t> </a:t>
-            </a:r>
-            <a:r>
-              <a:rPr lang="sv-SE" dirty="0" err="1"/>
-              <a:t>that</a:t>
-            </a:r>
-            <a:r>
-              <a:rPr lang="sv-SE" dirty="0"/>
-              <a:t> </a:t>
-            </a:r>
-            <a:r>
-              <a:rPr lang="sv-SE" dirty="0" err="1"/>
-              <a:t>work</a:t>
-            </a:r>
-            <a:r>
-              <a:rPr lang="sv-SE" dirty="0"/>
-              <a:t> </a:t>
-            </a:r>
-            <a:r>
-              <a:rPr lang="sv-SE" dirty="0" err="1"/>
-              <a:t>together</a:t>
+              <a:t>Completion</a:t>
             </a:r>
             <a:endParaRPr lang="en-US" dirty="0"/>
           </a:p>
@@ -3565,7 +3603,7 @@
     </p:spTree>
     <p:extLst>
       <p:ext uri="{BB962C8B-B14F-4D97-AF65-F5344CB8AC3E}">
-        <p14:creationId xmlns:p14="http://schemas.microsoft.com/office/powerpoint/2010/main" val="984069024"/>
+        <p14:creationId xmlns:p14="http://schemas.microsoft.com/office/powerpoint/2010/main" val="4108125210"/>
       </p:ext>
     </p:extLst>
   </p:cSld>
